--- a/FarthorlPacMan/Presentation, Contributions/Presentation.pptx
+++ b/FarthorlPacMan/Presentation, Contributions/Presentation.pptx
@@ -896,10 +896,9 @@
         <a:lstStyle/>
         <a:p>
           <a:r>
-            <a:rPr lang="en-US" smtClean="0"/>
+            <a:rPr lang="en-US"/>
             <a:t>Ready!</a:t>
           </a:r>
-          <a:endParaRPr lang="en-US"/>
         </a:p>
       </dgm:t>
     </dgm:pt>
@@ -933,10 +932,9 @@
         <a:lstStyle/>
         <a:p>
           <a:r>
-            <a:rPr lang="en-US" smtClean="0"/>
+            <a:rPr lang="en-US"/>
             <a:t>Intermission</a:t>
           </a:r>
-          <a:endParaRPr lang="en-US"/>
         </a:p>
       </dgm:t>
     </dgm:pt>
@@ -970,10 +968,9 @@
         <a:lstStyle/>
         <a:p>
           <a:r>
-            <a:rPr lang="en-US" smtClean="0"/>
+            <a:rPr lang="en-US"/>
             <a:t>Eating Dots</a:t>
           </a:r>
-          <a:endParaRPr lang="en-US"/>
         </a:p>
       </dgm:t>
     </dgm:pt>
@@ -1007,10 +1004,9 @@
         <a:lstStyle/>
         <a:p>
           <a:r>
-            <a:rPr lang="en-US" smtClean="0"/>
+            <a:rPr lang="en-US"/>
             <a:t>Eating Ghost</a:t>
           </a:r>
-          <a:endParaRPr lang="en-US"/>
         </a:p>
       </dgm:t>
     </dgm:pt>
@@ -1044,10 +1040,9 @@
         <a:lstStyle/>
         <a:p>
           <a:r>
-            <a:rPr lang="en-US" smtClean="0"/>
+            <a:rPr lang="en-US"/>
             <a:t>Eating Fruit</a:t>
           </a:r>
-          <a:endParaRPr lang="en-US"/>
         </a:p>
       </dgm:t>
     </dgm:pt>
@@ -1081,10 +1076,9 @@
         <a:lstStyle/>
         <a:p>
           <a:r>
-            <a:rPr lang="en-US" smtClean="0"/>
+            <a:rPr lang="en-US"/>
             <a:t>Extra Life</a:t>
           </a:r>
-          <a:endParaRPr lang="en-US"/>
         </a:p>
       </dgm:t>
     </dgm:pt>
@@ -1118,10 +1112,9 @@
         <a:lstStyle/>
         <a:p>
           <a:r>
-            <a:rPr lang="en-US" smtClean="0"/>
+            <a:rPr lang="en-US"/>
             <a:t>Death</a:t>
           </a:r>
-          <a:endParaRPr lang="en-US"/>
         </a:p>
       </dgm:t>
     </dgm:pt>
@@ -1155,13 +1148,6 @@
         </dgm:presLayoutVars>
       </dgm:prSet>
       <dgm:spPr/>
-      <dgm:t>
-        <a:bodyPr/>
-        <a:lstStyle/>
-        <a:p>
-          <a:endParaRPr lang="en-US"/>
-        </a:p>
-      </dgm:t>
     </dgm:pt>
     <dgm:pt modelId="{BB5DE814-F958-44D0-AF32-86E45DBAE4D0}" type="pres">
       <dgm:prSet presAssocID="{C37681EF-0A44-4D06-8FDB-B474CBD43EA9}" presName="Name5" presStyleLbl="vennNode1" presStyleIdx="0" presStyleCnt="7">
@@ -1170,13 +1156,6 @@
         </dgm:presLayoutVars>
       </dgm:prSet>
       <dgm:spPr/>
-      <dgm:t>
-        <a:bodyPr/>
-        <a:lstStyle/>
-        <a:p>
-          <a:endParaRPr lang="en-US"/>
-        </a:p>
-      </dgm:t>
     </dgm:pt>
     <dgm:pt modelId="{C2443624-2648-4740-9A26-18E64D4CEF5B}" type="pres">
       <dgm:prSet presAssocID="{200F8244-B705-4550-BC00-A076ABB03F0C}" presName="space" presStyleCnt="0"/>
@@ -1189,13 +1168,6 @@
         </dgm:presLayoutVars>
       </dgm:prSet>
       <dgm:spPr/>
-      <dgm:t>
-        <a:bodyPr/>
-        <a:lstStyle/>
-        <a:p>
-          <a:endParaRPr lang="en-US"/>
-        </a:p>
-      </dgm:t>
     </dgm:pt>
     <dgm:pt modelId="{ABBF8919-133F-4408-B67E-AF7DD5F276AE}" type="pres">
       <dgm:prSet presAssocID="{99376CA7-90B9-4C6B-970D-DAB5AA9F0F07}" presName="space" presStyleCnt="0"/>
@@ -1208,13 +1180,6 @@
         </dgm:presLayoutVars>
       </dgm:prSet>
       <dgm:spPr/>
-      <dgm:t>
-        <a:bodyPr/>
-        <a:lstStyle/>
-        <a:p>
-          <a:endParaRPr lang="en-US"/>
-        </a:p>
-      </dgm:t>
     </dgm:pt>
     <dgm:pt modelId="{C6E5D890-3982-4F34-986F-F90375C55D80}" type="pres">
       <dgm:prSet presAssocID="{472E6D28-37E5-45B3-ADC4-BA5FD1F78B79}" presName="space" presStyleCnt="0"/>
@@ -1227,13 +1192,6 @@
         </dgm:presLayoutVars>
       </dgm:prSet>
       <dgm:spPr/>
-      <dgm:t>
-        <a:bodyPr/>
-        <a:lstStyle/>
-        <a:p>
-          <a:endParaRPr lang="en-US"/>
-        </a:p>
-      </dgm:t>
     </dgm:pt>
     <dgm:pt modelId="{5260BF9C-1649-42E4-988A-0CEA43442257}" type="pres">
       <dgm:prSet presAssocID="{A765953C-9D67-49DD-A78B-0ED35B3C712E}" presName="space" presStyleCnt="0"/>
@@ -1246,13 +1204,6 @@
         </dgm:presLayoutVars>
       </dgm:prSet>
       <dgm:spPr/>
-      <dgm:t>
-        <a:bodyPr/>
-        <a:lstStyle/>
-        <a:p>
-          <a:endParaRPr lang="en-US"/>
-        </a:p>
-      </dgm:t>
     </dgm:pt>
     <dgm:pt modelId="{BD79765D-1412-4298-8755-BF68F7BE65D2}" type="pres">
       <dgm:prSet presAssocID="{C2B722D6-AF3C-4A17-B819-3868BBD89927}" presName="space" presStyleCnt="0"/>
@@ -1265,13 +1216,6 @@
         </dgm:presLayoutVars>
       </dgm:prSet>
       <dgm:spPr/>
-      <dgm:t>
-        <a:bodyPr/>
-        <a:lstStyle/>
-        <a:p>
-          <a:endParaRPr lang="en-US"/>
-        </a:p>
-      </dgm:t>
     </dgm:pt>
     <dgm:pt modelId="{4243C2B3-1182-4AF9-AE09-ED24982E22A2}" type="pres">
       <dgm:prSet presAssocID="{7276F208-BC12-4E66-8900-C3635F6FC8C5}" presName="space" presStyleCnt="0"/>
@@ -1284,13 +1228,6 @@
         </dgm:presLayoutVars>
       </dgm:prSet>
       <dgm:spPr/>
-      <dgm:t>
-        <a:bodyPr/>
-        <a:lstStyle/>
-        <a:p>
-          <a:endParaRPr lang="en-US"/>
-        </a:p>
-      </dgm:t>
     </dgm:pt>
   </dgm:ptLst>
   <dgm:cxnLst>
@@ -1393,7 +1330,7 @@
         </a:bodyPr>
         <a:lstStyle/>
         <a:p>
-          <a:pPr lvl="0" algn="ctr" defTabSz="533400">
+          <a:pPr marL="0" lvl="0" indent="0" algn="ctr" defTabSz="533400">
             <a:lnSpc>
               <a:spcPct val="90000"/>
             </a:lnSpc>
@@ -1403,12 +1340,12 @@
             <a:spcAft>
               <a:spcPct val="35000"/>
             </a:spcAft>
+            <a:buNone/>
           </a:pPr>
           <a:r>
-            <a:rPr lang="en-US" sz="1200" kern="1200" smtClean="0"/>
+            <a:rPr lang="en-US" sz="1200" kern="1200"/>
             <a:t>Ready!</a:t>
           </a:r>
-          <a:endParaRPr lang="en-US" sz="1200" kern="1200"/>
         </a:p>
       </dsp:txBody>
       <dsp:txXfrm>
@@ -1468,7 +1405,7 @@
         </a:bodyPr>
         <a:lstStyle/>
         <a:p>
-          <a:pPr lvl="0" algn="ctr" defTabSz="533400">
+          <a:pPr marL="0" lvl="0" indent="0" algn="ctr" defTabSz="533400">
             <a:lnSpc>
               <a:spcPct val="90000"/>
             </a:lnSpc>
@@ -1478,12 +1415,12 @@
             <a:spcAft>
               <a:spcPct val="35000"/>
             </a:spcAft>
+            <a:buNone/>
           </a:pPr>
           <a:r>
-            <a:rPr lang="en-US" sz="1200" kern="1200" smtClean="0"/>
+            <a:rPr lang="en-US" sz="1200" kern="1200"/>
             <a:t>Intermission</a:t>
           </a:r>
-          <a:endParaRPr lang="en-US" sz="1200" kern="1200"/>
         </a:p>
       </dsp:txBody>
       <dsp:txXfrm>
@@ -1543,7 +1480,7 @@
         </a:bodyPr>
         <a:lstStyle/>
         <a:p>
-          <a:pPr lvl="0" algn="ctr" defTabSz="533400">
+          <a:pPr marL="0" lvl="0" indent="0" algn="ctr" defTabSz="533400">
             <a:lnSpc>
               <a:spcPct val="90000"/>
             </a:lnSpc>
@@ -1553,12 +1490,12 @@
             <a:spcAft>
               <a:spcPct val="35000"/>
             </a:spcAft>
+            <a:buNone/>
           </a:pPr>
           <a:r>
-            <a:rPr lang="en-US" sz="1200" kern="1200" smtClean="0"/>
+            <a:rPr lang="en-US" sz="1200" kern="1200"/>
             <a:t>Eating Dots</a:t>
           </a:r>
-          <a:endParaRPr lang="en-US" sz="1200" kern="1200"/>
         </a:p>
       </dsp:txBody>
       <dsp:txXfrm>
@@ -1618,7 +1555,7 @@
         </a:bodyPr>
         <a:lstStyle/>
         <a:p>
-          <a:pPr lvl="0" algn="ctr" defTabSz="533400">
+          <a:pPr marL="0" lvl="0" indent="0" algn="ctr" defTabSz="533400">
             <a:lnSpc>
               <a:spcPct val="90000"/>
             </a:lnSpc>
@@ -1628,12 +1565,12 @@
             <a:spcAft>
               <a:spcPct val="35000"/>
             </a:spcAft>
+            <a:buNone/>
           </a:pPr>
           <a:r>
-            <a:rPr lang="en-US" sz="1200" kern="1200" smtClean="0"/>
+            <a:rPr lang="en-US" sz="1200" kern="1200"/>
             <a:t>Eating Ghost</a:t>
           </a:r>
-          <a:endParaRPr lang="en-US" sz="1200" kern="1200"/>
         </a:p>
       </dsp:txBody>
       <dsp:txXfrm>
@@ -1693,7 +1630,7 @@
         </a:bodyPr>
         <a:lstStyle/>
         <a:p>
-          <a:pPr lvl="0" algn="ctr" defTabSz="533400">
+          <a:pPr marL="0" lvl="0" indent="0" algn="ctr" defTabSz="533400">
             <a:lnSpc>
               <a:spcPct val="90000"/>
             </a:lnSpc>
@@ -1703,12 +1640,12 @@
             <a:spcAft>
               <a:spcPct val="35000"/>
             </a:spcAft>
+            <a:buNone/>
           </a:pPr>
           <a:r>
-            <a:rPr lang="en-US" sz="1200" kern="1200" smtClean="0"/>
+            <a:rPr lang="en-US" sz="1200" kern="1200"/>
             <a:t>Eating Fruit</a:t>
           </a:r>
-          <a:endParaRPr lang="en-US" sz="1200" kern="1200"/>
         </a:p>
       </dsp:txBody>
       <dsp:txXfrm>
@@ -1768,7 +1705,7 @@
         </a:bodyPr>
         <a:lstStyle/>
         <a:p>
-          <a:pPr lvl="0" algn="ctr" defTabSz="533400">
+          <a:pPr marL="0" lvl="0" indent="0" algn="ctr" defTabSz="533400">
             <a:lnSpc>
               <a:spcPct val="90000"/>
             </a:lnSpc>
@@ -1778,12 +1715,12 @@
             <a:spcAft>
               <a:spcPct val="35000"/>
             </a:spcAft>
+            <a:buNone/>
           </a:pPr>
           <a:r>
-            <a:rPr lang="en-US" sz="1200" kern="1200" smtClean="0"/>
+            <a:rPr lang="en-US" sz="1200" kern="1200"/>
             <a:t>Extra Life</a:t>
           </a:r>
-          <a:endParaRPr lang="en-US" sz="1200" kern="1200"/>
         </a:p>
       </dsp:txBody>
       <dsp:txXfrm>
@@ -1843,7 +1780,7 @@
         </a:bodyPr>
         <a:lstStyle/>
         <a:p>
-          <a:pPr lvl="0" algn="ctr" defTabSz="533400">
+          <a:pPr marL="0" lvl="0" indent="0" algn="ctr" defTabSz="533400">
             <a:lnSpc>
               <a:spcPct val="90000"/>
             </a:lnSpc>
@@ -1853,12 +1790,12 @@
             <a:spcAft>
               <a:spcPct val="35000"/>
             </a:spcAft>
+            <a:buNone/>
           </a:pPr>
           <a:r>
-            <a:rPr lang="en-US" sz="1200" kern="1200" smtClean="0"/>
+            <a:rPr lang="en-US" sz="1200" kern="1200"/>
             <a:t>Death</a:t>
           </a:r>
-          <a:endParaRPr lang="en-US" sz="1200" kern="1200"/>
         </a:p>
       </dsp:txBody>
       <dsp:txXfrm>
@@ -3226,7 +3163,7 @@
           <a:p>
             <a:fld id="{96446509-AA6D-4D6A-9C11-53B04CDA234C}" type="datetimeFigureOut">
               <a:rPr lang="bg-BG" smtClean="0"/>
-              <a:t>15.6.2016 г.</a:t>
+              <a:t>16.6.2016 г.</a:t>
             </a:fld>
             <a:endParaRPr lang="bg-BG"/>
           </a:p>
@@ -3290,35 +3227,35 @@
           <a:p>
             <a:pPr lvl="0"/>
             <a:r>
-              <a:rPr lang="en-US" smtClean="0"/>
+              <a:rPr lang="en-US"/>
               <a:t>Click to edit Master text styles</a:t>
             </a:r>
           </a:p>
           <a:p>
             <a:pPr lvl="1"/>
             <a:r>
-              <a:rPr lang="en-US" smtClean="0"/>
+              <a:rPr lang="en-US"/>
               <a:t>Second level</a:t>
             </a:r>
           </a:p>
           <a:p>
             <a:pPr lvl="2"/>
             <a:r>
-              <a:rPr lang="en-US" smtClean="0"/>
+              <a:rPr lang="en-US"/>
               <a:t>Third level</a:t>
             </a:r>
           </a:p>
           <a:p>
             <a:pPr lvl="3"/>
             <a:r>
-              <a:rPr lang="en-US" smtClean="0"/>
+              <a:rPr lang="en-US"/>
               <a:t>Fourth level</a:t>
             </a:r>
           </a:p>
           <a:p>
             <a:pPr lvl="4"/>
             <a:r>
-              <a:rPr lang="en-US" smtClean="0"/>
+              <a:rPr lang="en-US"/>
               <a:t>Fifth level</a:t>
             </a:r>
             <a:endParaRPr lang="bg-BG"/>
@@ -3587,7 +3524,7 @@
                 <a:spcPct val="0"/>
               </a:spcBef>
             </a:pPr>
-            <a:endParaRPr lang="bg-BG" altLang="bg-BG" smtClean="0"/>
+            <a:endParaRPr lang="bg-BG" altLang="bg-BG"/>
           </a:p>
         </p:txBody>
       </p:sp>
@@ -3787,7 +3724,7 @@
           </a:lstStyle>
           <a:p>
             <a:r>
-              <a:rPr lang="en-US" smtClean="0"/>
+              <a:rPr lang="en-US"/>
               <a:t>Click to edit Master title style</a:t>
             </a:r>
             <a:endParaRPr lang="bg-BG"/>
@@ -3852,7 +3789,7 @@
           </a:lstStyle>
           <a:p>
             <a:r>
-              <a:rPr lang="en-US" smtClean="0"/>
+              <a:rPr lang="en-US"/>
               <a:t>Click to edit Master subtitle style</a:t>
             </a:r>
             <a:endParaRPr lang="bg-BG"/>
@@ -3876,7 +3813,7 @@
           <a:p>
             <a:fld id="{30C85BC3-8B18-4B97-B708-5E4EB9B80DBA}" type="datetimeFigureOut">
               <a:rPr lang="bg-BG" smtClean="0"/>
-              <a:t>15.6.2016 г.</a:t>
+              <a:t>16.6.2016 г.</a:t>
             </a:fld>
             <a:endParaRPr lang="bg-BG"/>
           </a:p>
@@ -3970,7 +3907,7 @@
           <a:lstStyle/>
           <a:p>
             <a:r>
-              <a:rPr lang="en-US" smtClean="0"/>
+              <a:rPr lang="en-US"/>
               <a:t>Click to edit Master title style</a:t>
             </a:r>
             <a:endParaRPr lang="bg-BG"/>
@@ -3994,35 +3931,35 @@
           <a:p>
             <a:pPr lvl="0"/>
             <a:r>
-              <a:rPr lang="en-US" smtClean="0"/>
+              <a:rPr lang="en-US"/>
               <a:t>Click to edit Master text styles</a:t>
             </a:r>
           </a:p>
           <a:p>
             <a:pPr lvl="1"/>
             <a:r>
-              <a:rPr lang="en-US" smtClean="0"/>
+              <a:rPr lang="en-US"/>
               <a:t>Second level</a:t>
             </a:r>
           </a:p>
           <a:p>
             <a:pPr lvl="2"/>
             <a:r>
-              <a:rPr lang="en-US" smtClean="0"/>
+              <a:rPr lang="en-US"/>
               <a:t>Third level</a:t>
             </a:r>
           </a:p>
           <a:p>
             <a:pPr lvl="3"/>
             <a:r>
-              <a:rPr lang="en-US" smtClean="0"/>
+              <a:rPr lang="en-US"/>
               <a:t>Fourth level</a:t>
             </a:r>
           </a:p>
           <a:p>
             <a:pPr lvl="4"/>
             <a:r>
-              <a:rPr lang="en-US" smtClean="0"/>
+              <a:rPr lang="en-US"/>
               <a:t>Fifth level</a:t>
             </a:r>
             <a:endParaRPr lang="bg-BG"/>
@@ -4046,7 +3983,7 @@
           <a:p>
             <a:fld id="{30C85BC3-8B18-4B97-B708-5E4EB9B80DBA}" type="datetimeFigureOut">
               <a:rPr lang="bg-BG" smtClean="0"/>
-              <a:t>15.6.2016 г.</a:t>
+              <a:t>16.6.2016 г.</a:t>
             </a:fld>
             <a:endParaRPr lang="bg-BG"/>
           </a:p>
@@ -4145,7 +4082,7 @@
           <a:lstStyle/>
           <a:p>
             <a:r>
-              <a:rPr lang="en-US" smtClean="0"/>
+              <a:rPr lang="en-US"/>
               <a:t>Click to edit Master title style</a:t>
             </a:r>
             <a:endParaRPr lang="bg-BG"/>
@@ -4174,35 +4111,35 @@
           <a:p>
             <a:pPr lvl="0"/>
             <a:r>
-              <a:rPr lang="en-US" smtClean="0"/>
+              <a:rPr lang="en-US"/>
               <a:t>Click to edit Master text styles</a:t>
             </a:r>
           </a:p>
           <a:p>
             <a:pPr lvl="1"/>
             <a:r>
-              <a:rPr lang="en-US" smtClean="0"/>
+              <a:rPr lang="en-US"/>
               <a:t>Second level</a:t>
             </a:r>
           </a:p>
           <a:p>
             <a:pPr lvl="2"/>
             <a:r>
-              <a:rPr lang="en-US" smtClean="0"/>
+              <a:rPr lang="en-US"/>
               <a:t>Third level</a:t>
             </a:r>
           </a:p>
           <a:p>
             <a:pPr lvl="3"/>
             <a:r>
-              <a:rPr lang="en-US" smtClean="0"/>
+              <a:rPr lang="en-US"/>
               <a:t>Fourth level</a:t>
             </a:r>
           </a:p>
           <a:p>
             <a:pPr lvl="4"/>
             <a:r>
-              <a:rPr lang="en-US" smtClean="0"/>
+              <a:rPr lang="en-US"/>
               <a:t>Fifth level</a:t>
             </a:r>
             <a:endParaRPr lang="bg-BG"/>
@@ -4226,7 +4163,7 @@
           <a:p>
             <a:fld id="{30C85BC3-8B18-4B97-B708-5E4EB9B80DBA}" type="datetimeFigureOut">
               <a:rPr lang="bg-BG" smtClean="0"/>
-              <a:t>15.6.2016 г.</a:t>
+              <a:t>16.6.2016 г.</a:t>
             </a:fld>
             <a:endParaRPr lang="bg-BG"/>
           </a:p>
@@ -4320,7 +4257,7 @@
           <a:lstStyle/>
           <a:p>
             <a:r>
-              <a:rPr lang="en-US" smtClean="0"/>
+              <a:rPr lang="en-US"/>
               <a:t>Click to edit Master title style</a:t>
             </a:r>
             <a:endParaRPr lang="bg-BG"/>
@@ -4344,35 +4281,35 @@
           <a:p>
             <a:pPr lvl="0"/>
             <a:r>
-              <a:rPr lang="en-US" smtClean="0"/>
+              <a:rPr lang="en-US"/>
               <a:t>Click to edit Master text styles</a:t>
             </a:r>
           </a:p>
           <a:p>
             <a:pPr lvl="1"/>
             <a:r>
-              <a:rPr lang="en-US" smtClean="0"/>
+              <a:rPr lang="en-US"/>
               <a:t>Second level</a:t>
             </a:r>
           </a:p>
           <a:p>
             <a:pPr lvl="2"/>
             <a:r>
-              <a:rPr lang="en-US" smtClean="0"/>
+              <a:rPr lang="en-US"/>
               <a:t>Third level</a:t>
             </a:r>
           </a:p>
           <a:p>
             <a:pPr lvl="3"/>
             <a:r>
-              <a:rPr lang="en-US" smtClean="0"/>
+              <a:rPr lang="en-US"/>
               <a:t>Fourth level</a:t>
             </a:r>
           </a:p>
           <a:p>
             <a:pPr lvl="4"/>
             <a:r>
-              <a:rPr lang="en-US" smtClean="0"/>
+              <a:rPr lang="en-US"/>
               <a:t>Fifth level</a:t>
             </a:r>
             <a:endParaRPr lang="bg-BG"/>
@@ -4396,7 +4333,7 @@
           <a:p>
             <a:fld id="{30C85BC3-8B18-4B97-B708-5E4EB9B80DBA}" type="datetimeFigureOut">
               <a:rPr lang="bg-BG" smtClean="0"/>
-              <a:t>15.6.2016 г.</a:t>
+              <a:t>16.6.2016 г.</a:t>
             </a:fld>
             <a:endParaRPr lang="bg-BG"/>
           </a:p>
@@ -4499,7 +4436,7 @@
           </a:lstStyle>
           <a:p>
             <a:r>
-              <a:rPr lang="en-US" smtClean="0"/>
+              <a:rPr lang="en-US"/>
               <a:t>Click to edit Master title style</a:t>
             </a:r>
             <a:endParaRPr lang="bg-BG"/>
@@ -4619,7 +4556,7 @@
           <a:p>
             <a:pPr lvl="0"/>
             <a:r>
-              <a:rPr lang="en-US" smtClean="0"/>
+              <a:rPr lang="en-US"/>
               <a:t>Click to edit Master text styles</a:t>
             </a:r>
           </a:p>
@@ -4642,7 +4579,7 @@
           <a:p>
             <a:fld id="{30C85BC3-8B18-4B97-B708-5E4EB9B80DBA}" type="datetimeFigureOut">
               <a:rPr lang="bg-BG" smtClean="0"/>
-              <a:t>15.6.2016 г.</a:t>
+              <a:t>16.6.2016 г.</a:t>
             </a:fld>
             <a:endParaRPr lang="bg-BG"/>
           </a:p>
@@ -4736,7 +4673,7 @@
           <a:lstStyle/>
           <a:p>
             <a:r>
-              <a:rPr lang="en-US" smtClean="0"/>
+              <a:rPr lang="en-US"/>
               <a:t>Click to edit Master title style</a:t>
             </a:r>
             <a:endParaRPr lang="bg-BG"/>
@@ -4765,35 +4702,35 @@
           <a:p>
             <a:pPr lvl="0"/>
             <a:r>
-              <a:rPr lang="en-US" smtClean="0"/>
+              <a:rPr lang="en-US"/>
               <a:t>Click to edit Master text styles</a:t>
             </a:r>
           </a:p>
           <a:p>
             <a:pPr lvl="1"/>
             <a:r>
-              <a:rPr lang="en-US" smtClean="0"/>
+              <a:rPr lang="en-US"/>
               <a:t>Second level</a:t>
             </a:r>
           </a:p>
           <a:p>
             <a:pPr lvl="2"/>
             <a:r>
-              <a:rPr lang="en-US" smtClean="0"/>
+              <a:rPr lang="en-US"/>
               <a:t>Third level</a:t>
             </a:r>
           </a:p>
           <a:p>
             <a:pPr lvl="3"/>
             <a:r>
-              <a:rPr lang="en-US" smtClean="0"/>
+              <a:rPr lang="en-US"/>
               <a:t>Fourth level</a:t>
             </a:r>
           </a:p>
           <a:p>
             <a:pPr lvl="4"/>
             <a:r>
-              <a:rPr lang="en-US" smtClean="0"/>
+              <a:rPr lang="en-US"/>
               <a:t>Fifth level</a:t>
             </a:r>
             <a:endParaRPr lang="bg-BG"/>
@@ -4822,35 +4759,35 @@
           <a:p>
             <a:pPr lvl="0"/>
             <a:r>
-              <a:rPr lang="en-US" smtClean="0"/>
+              <a:rPr lang="en-US"/>
               <a:t>Click to edit Master text styles</a:t>
             </a:r>
           </a:p>
           <a:p>
             <a:pPr lvl="1"/>
             <a:r>
-              <a:rPr lang="en-US" smtClean="0"/>
+              <a:rPr lang="en-US"/>
               <a:t>Second level</a:t>
             </a:r>
           </a:p>
           <a:p>
             <a:pPr lvl="2"/>
             <a:r>
-              <a:rPr lang="en-US" smtClean="0"/>
+              <a:rPr lang="en-US"/>
               <a:t>Third level</a:t>
             </a:r>
           </a:p>
           <a:p>
             <a:pPr lvl="3"/>
             <a:r>
-              <a:rPr lang="en-US" smtClean="0"/>
+              <a:rPr lang="en-US"/>
               <a:t>Fourth level</a:t>
             </a:r>
           </a:p>
           <a:p>
             <a:pPr lvl="4"/>
             <a:r>
-              <a:rPr lang="en-US" smtClean="0"/>
+              <a:rPr lang="en-US"/>
               <a:t>Fifth level</a:t>
             </a:r>
             <a:endParaRPr lang="bg-BG"/>
@@ -4874,7 +4811,7 @@
           <a:p>
             <a:fld id="{30C85BC3-8B18-4B97-B708-5E4EB9B80DBA}" type="datetimeFigureOut">
               <a:rPr lang="bg-BG" smtClean="0"/>
-              <a:t>15.6.2016 г.</a:t>
+              <a:t>16.6.2016 г.</a:t>
             </a:fld>
             <a:endParaRPr lang="bg-BG"/>
           </a:p>
@@ -4973,7 +4910,7 @@
           <a:lstStyle/>
           <a:p>
             <a:r>
-              <a:rPr lang="en-US" smtClean="0"/>
+              <a:rPr lang="en-US"/>
               <a:t>Click to edit Master title style</a:t>
             </a:r>
             <a:endParaRPr lang="bg-BG"/>
@@ -5039,7 +4976,7 @@
           <a:p>
             <a:pPr lvl="0"/>
             <a:r>
-              <a:rPr lang="en-US" smtClean="0"/>
+              <a:rPr lang="en-US"/>
               <a:t>Click to edit Master text styles</a:t>
             </a:r>
           </a:p>
@@ -5067,35 +5004,35 @@
           <a:p>
             <a:pPr lvl="0"/>
             <a:r>
-              <a:rPr lang="en-US" smtClean="0"/>
+              <a:rPr lang="en-US"/>
               <a:t>Click to edit Master text styles</a:t>
             </a:r>
           </a:p>
           <a:p>
             <a:pPr lvl="1"/>
             <a:r>
-              <a:rPr lang="en-US" smtClean="0"/>
+              <a:rPr lang="en-US"/>
               <a:t>Second level</a:t>
             </a:r>
           </a:p>
           <a:p>
             <a:pPr lvl="2"/>
             <a:r>
-              <a:rPr lang="en-US" smtClean="0"/>
+              <a:rPr lang="en-US"/>
               <a:t>Third level</a:t>
             </a:r>
           </a:p>
           <a:p>
             <a:pPr lvl="3"/>
             <a:r>
-              <a:rPr lang="en-US" smtClean="0"/>
+              <a:rPr lang="en-US"/>
               <a:t>Fourth level</a:t>
             </a:r>
           </a:p>
           <a:p>
             <a:pPr lvl="4"/>
             <a:r>
-              <a:rPr lang="en-US" smtClean="0"/>
+              <a:rPr lang="en-US"/>
               <a:t>Fifth level</a:t>
             </a:r>
             <a:endParaRPr lang="bg-BG"/>
@@ -5161,7 +5098,7 @@
           <a:p>
             <a:pPr lvl="0"/>
             <a:r>
-              <a:rPr lang="en-US" smtClean="0"/>
+              <a:rPr lang="en-US"/>
               <a:t>Click to edit Master text styles</a:t>
             </a:r>
           </a:p>
@@ -5189,35 +5126,35 @@
           <a:p>
             <a:pPr lvl="0"/>
             <a:r>
-              <a:rPr lang="en-US" smtClean="0"/>
+              <a:rPr lang="en-US"/>
               <a:t>Click to edit Master text styles</a:t>
             </a:r>
           </a:p>
           <a:p>
             <a:pPr lvl="1"/>
             <a:r>
-              <a:rPr lang="en-US" smtClean="0"/>
+              <a:rPr lang="en-US"/>
               <a:t>Second level</a:t>
             </a:r>
           </a:p>
           <a:p>
             <a:pPr lvl="2"/>
             <a:r>
-              <a:rPr lang="en-US" smtClean="0"/>
+              <a:rPr lang="en-US"/>
               <a:t>Third level</a:t>
             </a:r>
           </a:p>
           <a:p>
             <a:pPr lvl="3"/>
             <a:r>
-              <a:rPr lang="en-US" smtClean="0"/>
+              <a:rPr lang="en-US"/>
               <a:t>Fourth level</a:t>
             </a:r>
           </a:p>
           <a:p>
             <a:pPr lvl="4"/>
             <a:r>
-              <a:rPr lang="en-US" smtClean="0"/>
+              <a:rPr lang="en-US"/>
               <a:t>Fifth level</a:t>
             </a:r>
             <a:endParaRPr lang="bg-BG"/>
@@ -5241,7 +5178,7 @@
           <a:p>
             <a:fld id="{30C85BC3-8B18-4B97-B708-5E4EB9B80DBA}" type="datetimeFigureOut">
               <a:rPr lang="bg-BG" smtClean="0"/>
-              <a:t>15.6.2016 г.</a:t>
+              <a:t>16.6.2016 г.</a:t>
             </a:fld>
             <a:endParaRPr lang="bg-BG"/>
           </a:p>
@@ -5335,7 +5272,7 @@
           <a:lstStyle/>
           <a:p>
             <a:r>
-              <a:rPr lang="en-US" smtClean="0"/>
+              <a:rPr lang="en-US"/>
               <a:t>Click to edit Master title style</a:t>
             </a:r>
             <a:endParaRPr lang="bg-BG"/>
@@ -5359,7 +5296,7 @@
           <a:p>
             <a:fld id="{30C85BC3-8B18-4B97-B708-5E4EB9B80DBA}" type="datetimeFigureOut">
               <a:rPr lang="bg-BG" smtClean="0"/>
-              <a:t>15.6.2016 г.</a:t>
+              <a:t>16.6.2016 г.</a:t>
             </a:fld>
             <a:endParaRPr lang="bg-BG"/>
           </a:p>
@@ -5454,7 +5391,7 @@
           <a:p>
             <a:fld id="{30C85BC3-8B18-4B97-B708-5E4EB9B80DBA}" type="datetimeFigureOut">
               <a:rPr lang="bg-BG" smtClean="0"/>
-              <a:t>15.6.2016 г.</a:t>
+              <a:t>16.6.2016 г.</a:t>
             </a:fld>
             <a:endParaRPr lang="bg-BG"/>
           </a:p>
@@ -5557,7 +5494,7 @@
           </a:lstStyle>
           <a:p>
             <a:r>
-              <a:rPr lang="en-US" smtClean="0"/>
+              <a:rPr lang="en-US"/>
               <a:t>Click to edit Master title style</a:t>
             </a:r>
             <a:endParaRPr lang="bg-BG"/>
@@ -5614,35 +5551,35 @@
           <a:p>
             <a:pPr lvl="0"/>
             <a:r>
-              <a:rPr lang="en-US" smtClean="0"/>
+              <a:rPr lang="en-US"/>
               <a:t>Click to edit Master text styles</a:t>
             </a:r>
           </a:p>
           <a:p>
             <a:pPr lvl="1"/>
             <a:r>
-              <a:rPr lang="en-US" smtClean="0"/>
+              <a:rPr lang="en-US"/>
               <a:t>Second level</a:t>
             </a:r>
           </a:p>
           <a:p>
             <a:pPr lvl="2"/>
             <a:r>
-              <a:rPr lang="en-US" smtClean="0"/>
+              <a:rPr lang="en-US"/>
               <a:t>Third level</a:t>
             </a:r>
           </a:p>
           <a:p>
             <a:pPr lvl="3"/>
             <a:r>
-              <a:rPr lang="en-US" smtClean="0"/>
+              <a:rPr lang="en-US"/>
               <a:t>Fourth level</a:t>
             </a:r>
           </a:p>
           <a:p>
             <a:pPr lvl="4"/>
             <a:r>
-              <a:rPr lang="en-US" smtClean="0"/>
+              <a:rPr lang="en-US"/>
               <a:t>Fifth level</a:t>
             </a:r>
             <a:endParaRPr lang="bg-BG"/>
@@ -5708,7 +5645,7 @@
           <a:p>
             <a:pPr lvl="0"/>
             <a:r>
-              <a:rPr lang="en-US" smtClean="0"/>
+              <a:rPr lang="en-US"/>
               <a:t>Click to edit Master text styles</a:t>
             </a:r>
           </a:p>
@@ -5731,7 +5668,7 @@
           <a:p>
             <a:fld id="{30C85BC3-8B18-4B97-B708-5E4EB9B80DBA}" type="datetimeFigureOut">
               <a:rPr lang="bg-BG" smtClean="0"/>
-              <a:t>15.6.2016 г.</a:t>
+              <a:t>16.6.2016 г.</a:t>
             </a:fld>
             <a:endParaRPr lang="bg-BG"/>
           </a:p>
@@ -5834,7 +5771,7 @@
           </a:lstStyle>
           <a:p>
             <a:r>
-              <a:rPr lang="en-US" smtClean="0"/>
+              <a:rPr lang="en-US"/>
               <a:t>Click to edit Master title style</a:t>
             </a:r>
             <a:endParaRPr lang="bg-BG"/>
@@ -5961,7 +5898,7 @@
           <a:p>
             <a:pPr lvl="0"/>
             <a:r>
-              <a:rPr lang="en-US" smtClean="0"/>
+              <a:rPr lang="en-US"/>
               <a:t>Click to edit Master text styles</a:t>
             </a:r>
           </a:p>
@@ -5984,7 +5921,7 @@
           <a:p>
             <a:fld id="{30C85BC3-8B18-4B97-B708-5E4EB9B80DBA}" type="datetimeFigureOut">
               <a:rPr lang="bg-BG" smtClean="0"/>
-              <a:t>15.6.2016 г.</a:t>
+              <a:t>16.6.2016 г.</a:t>
             </a:fld>
             <a:endParaRPr lang="bg-BG"/>
           </a:p>
@@ -6093,7 +6030,7 @@
           <a:lstStyle/>
           <a:p>
             <a:r>
-              <a:rPr lang="en-US" smtClean="0"/>
+              <a:rPr lang="en-US"/>
               <a:t>Click to edit Master title style</a:t>
             </a:r>
             <a:endParaRPr lang="bg-BG"/>
@@ -6127,35 +6064,35 @@
           <a:p>
             <a:pPr lvl="0"/>
             <a:r>
-              <a:rPr lang="en-US" smtClean="0"/>
+              <a:rPr lang="en-US"/>
               <a:t>Click to edit Master text styles</a:t>
             </a:r>
           </a:p>
           <a:p>
             <a:pPr lvl="1"/>
             <a:r>
-              <a:rPr lang="en-US" smtClean="0"/>
+              <a:rPr lang="en-US"/>
               <a:t>Second level</a:t>
             </a:r>
           </a:p>
           <a:p>
             <a:pPr lvl="2"/>
             <a:r>
-              <a:rPr lang="en-US" smtClean="0"/>
+              <a:rPr lang="en-US"/>
               <a:t>Third level</a:t>
             </a:r>
           </a:p>
           <a:p>
             <a:pPr lvl="3"/>
             <a:r>
-              <a:rPr lang="en-US" smtClean="0"/>
+              <a:rPr lang="en-US"/>
               <a:t>Fourth level</a:t>
             </a:r>
           </a:p>
           <a:p>
             <a:pPr lvl="4"/>
             <a:r>
-              <a:rPr lang="en-US" smtClean="0"/>
+              <a:rPr lang="en-US"/>
               <a:t>Fifth level</a:t>
             </a:r>
             <a:endParaRPr lang="bg-BG"/>
@@ -6197,7 +6134,7 @@
           <a:p>
             <a:fld id="{30C85BC3-8B18-4B97-B708-5E4EB9B80DBA}" type="datetimeFigureOut">
               <a:rPr lang="bg-BG" smtClean="0"/>
-              <a:t>15.6.2016 г.</a:t>
+              <a:t>16.6.2016 г.</a:t>
             </a:fld>
             <a:endParaRPr lang="bg-BG"/>
           </a:p>
@@ -6663,7 +6600,7 @@
           <a:p>
             <a:pPr algn="ctr"/>
             <a:r>
-              <a:rPr lang="en-US" sz="5400" b="1" dirty="0" smtClean="0">
+              <a:rPr lang="en-US" sz="5400" b="1" dirty="0">
                 <a:ln w="22225">
                   <a:solidFill>
                     <a:schemeClr val="accent2"/>
@@ -6680,7 +6617,7 @@
               <a:t>Team </a:t>
             </a:r>
             <a:r>
-              <a:rPr lang="en-US" sz="5400" b="1" dirty="0" err="1" smtClean="0">
+              <a:rPr lang="en-US" sz="5400" b="1" dirty="0" err="1">
                 <a:ln w="22225">
                   <a:solidFill>
                     <a:schemeClr val="accent2"/>
@@ -6696,7 +6633,7 @@
               </a:rPr>
               <a:t>Farthorl</a:t>
             </a:r>
-            <a:endParaRPr lang="en-US" sz="5400" b="1" dirty="0" smtClean="0">
+            <a:endParaRPr lang="en-US" sz="5400" b="1" dirty="0">
               <a:ln w="22225">
                 <a:solidFill>
                   <a:schemeClr val="accent2"/>
@@ -6714,7 +6651,7 @@
           <a:p>
             <a:pPr algn="ctr"/>
             <a:r>
-              <a:rPr lang="en-US" sz="5400" b="1" dirty="0" smtClean="0">
+              <a:rPr lang="en-US" sz="5400" b="1" dirty="0">
                 <a:ln w="22225">
                   <a:solidFill>
                     <a:schemeClr val="accent2"/>
@@ -6730,20 +6667,6 @@
               </a:rPr>
               <a:t>Advanced C# May 2016</a:t>
             </a:r>
-            <a:endParaRPr lang="en-US" sz="5400" b="1" dirty="0">
-              <a:ln w="22225">
-                <a:solidFill>
-                  <a:schemeClr val="accent2"/>
-                </a:solidFill>
-                <a:prstDash val="solid"/>
-              </a:ln>
-              <a:solidFill>
-                <a:schemeClr val="accent2">
-                  <a:lumMod val="40000"/>
-                  <a:lumOff val="60000"/>
-                </a:schemeClr>
-              </a:solidFill>
-            </a:endParaRPr>
           </a:p>
         </p:txBody>
       </p:sp>
@@ -6757,13 +6680,6 @@
   <p:clrMapOvr>
     <a:masterClrMapping/>
   </p:clrMapOvr>
-  <p:timing>
-    <p:tnLst>
-      <p:par>
-        <p:cTn id="1" dur="indefinite" restart="never" nodeType="tmRoot"/>
-      </p:par>
-    </p:tnLst>
-  </p:timing>
 </p:sld>
 </file>
 
@@ -6838,7 +6754,7 @@
           <a:p>
             <a:pPr algn="ctr"/>
             <a:r>
-              <a:rPr lang="en-US" sz="5400" b="1" cap="none" spc="0" dirty="0" smtClean="0">
+              <a:rPr lang="en-US" sz="5400" b="1" cap="none" spc="0" dirty="0">
                 <a:ln w="13462">
                   <a:solidFill>
                     <a:schemeClr val="bg1"/>
@@ -6859,25 +6775,6 @@
               </a:rPr>
               <a:t>Planned features in the future</a:t>
             </a:r>
-            <a:endParaRPr lang="en-US" sz="5400" b="1" cap="none" spc="0" dirty="0">
-              <a:ln w="13462">
-                <a:solidFill>
-                  <a:schemeClr val="bg1"/>
-                </a:solidFill>
-                <a:prstDash val="solid"/>
-              </a:ln>
-              <a:solidFill>
-                <a:schemeClr val="tx1">
-                  <a:lumMod val="85000"/>
-                  <a:lumOff val="15000"/>
-                </a:schemeClr>
-              </a:solidFill>
-              <a:effectLst>
-                <a:outerShdw dist="38100" dir="2700000" algn="bl" rotWithShape="0">
-                  <a:schemeClr val="accent5"/>
-                </a:outerShdw>
-              </a:effectLst>
-            </a:endParaRPr>
           </a:p>
         </p:txBody>
       </p:sp>
@@ -6934,7 +6831,7 @@
           <a:lstStyle/>
           <a:p>
             <a:r>
-              <a:rPr lang="en-US" dirty="0" smtClean="0">
+              <a:rPr lang="en-US" dirty="0">
                 <a:solidFill>
                   <a:srgbClr val="FF0000"/>
                 </a:solidFill>
@@ -6948,7 +6845,7 @@
               <a:buChar char="-"/>
             </a:pPr>
             <a:r>
-              <a:rPr lang="en-US" dirty="0" smtClean="0">
+              <a:rPr lang="en-US" dirty="0">
                 <a:solidFill>
                   <a:srgbClr val="FF0000"/>
                 </a:solidFill>
@@ -6962,7 +6859,7 @@
               <a:buChar char="-"/>
             </a:pPr>
             <a:r>
-              <a:rPr lang="en-US" dirty="0" smtClean="0">
+              <a:rPr lang="en-US" dirty="0">
                 <a:solidFill>
                   <a:srgbClr val="FF0000"/>
                 </a:solidFill>
@@ -6976,7 +6873,7 @@
               <a:buChar char="-"/>
             </a:pPr>
             <a:r>
-              <a:rPr lang="en-US" dirty="0" smtClean="0">
+              <a:rPr lang="en-US" dirty="0">
                 <a:solidFill>
                   <a:srgbClr val="FF0000"/>
                 </a:solidFill>
@@ -6990,7 +6887,7 @@
               <a:buChar char="-"/>
             </a:pPr>
             <a:r>
-              <a:rPr lang="en-US" dirty="0" smtClean="0">
+              <a:rPr lang="en-US" dirty="0">
                 <a:solidFill>
                   <a:srgbClr val="FF0000"/>
                 </a:solidFill>
@@ -7004,7 +6901,7 @@
               <a:buChar char="-"/>
             </a:pPr>
             <a:r>
-              <a:rPr lang="en-US" dirty="0" smtClean="0">
+              <a:rPr lang="en-US" dirty="0">
                 <a:solidFill>
                   <a:srgbClr val="FF0000"/>
                 </a:solidFill>
@@ -7018,7 +6915,7 @@
               <a:buChar char="-"/>
             </a:pPr>
             <a:r>
-              <a:rPr lang="en-US" dirty="0" smtClean="0">
+              <a:rPr lang="en-US" dirty="0">
                 <a:solidFill>
                   <a:srgbClr val="FF0000"/>
                 </a:solidFill>
@@ -7056,7 +6953,7 @@
           <a:lstStyle/>
           <a:p>
             <a:r>
-              <a:rPr lang="en-US" dirty="0" smtClean="0">
+              <a:rPr lang="en-US" dirty="0">
                 <a:solidFill>
                   <a:srgbClr val="FF0000"/>
                 </a:solidFill>
@@ -7066,7 +6963,7 @@
           </a:p>
           <a:p>
             <a:r>
-              <a:rPr lang="en-US" dirty="0" smtClean="0">
+              <a:rPr lang="en-US" dirty="0">
                 <a:solidFill>
                   <a:srgbClr val="FF0000"/>
                 </a:solidFill>
@@ -7076,7 +6973,7 @@
           </a:p>
           <a:p>
             <a:r>
-              <a:rPr lang="en-US" dirty="0" smtClean="0">
+              <a:rPr lang="en-US" dirty="0">
                 <a:solidFill>
                   <a:srgbClr val="FF0000"/>
                 </a:solidFill>
@@ -7086,7 +6983,7 @@
           </a:p>
           <a:p>
             <a:r>
-              <a:rPr lang="en-US" dirty="0" smtClean="0">
+              <a:rPr lang="en-US" dirty="0">
                 <a:solidFill>
                   <a:srgbClr val="FF0000"/>
                 </a:solidFill>
@@ -7094,7 +6991,7 @@
               <a:t>+ Increased Difficulty Mode with </a:t>
             </a:r>
             <a:r>
-              <a:rPr lang="en-US" dirty="0" err="1" smtClean="0">
+              <a:rPr lang="en-US" dirty="0" err="1">
                 <a:solidFill>
                   <a:srgbClr val="FF0000"/>
                 </a:solidFill>
@@ -7102,7 +6999,7 @@
               <a:t>imporoved</a:t>
             </a:r>
             <a:r>
-              <a:rPr lang="en-US" dirty="0" smtClean="0">
+              <a:rPr lang="en-US" dirty="0">
                 <a:solidFill>
                   <a:srgbClr val="FF0000"/>
                 </a:solidFill>
@@ -7112,7 +7009,7 @@
           </a:p>
           <a:p>
             <a:r>
-              <a:rPr lang="en-US" dirty="0" smtClean="0">
+              <a:rPr lang="en-US" dirty="0">
                 <a:solidFill>
                   <a:srgbClr val="FF0000"/>
                 </a:solidFill>
@@ -7366,21 +7263,6 @@
   <p:clrMapOvr>
     <a:masterClrMapping/>
   </p:clrMapOvr>
-  <mc:AlternateContent xmlns:mc="http://schemas.openxmlformats.org/markup-compatibility/2006">
-    <mc:Choice xmlns:p14="http://schemas.microsoft.com/office/powerpoint/2010/main" Requires="p14">
-      <p:transition spd="slow" p14:dur="2000"/>
-    </mc:Choice>
-    <mc:Fallback>
-      <p:transition spd="slow"/>
-    </mc:Fallback>
-  </mc:AlternateContent>
-  <p:timing>
-    <p:tnLst>
-      <p:par>
-        <p:cTn id="1" dur="indefinite" restart="never" nodeType="tmRoot"/>
-      </p:par>
-    </p:tnLst>
-  </p:timing>
 </p:sld>
 </file>
 
@@ -7441,13 +7323,6 @@
   <p:clrMapOvr>
     <a:masterClrMapping/>
   </p:clrMapOvr>
-  <p:timing>
-    <p:tnLst>
-      <p:par>
-        <p:cTn id="1" dur="indefinite" restart="never" nodeType="tmRoot"/>
-      </p:par>
-    </p:tnLst>
-  </p:timing>
 </p:sld>
 </file>
 
@@ -7702,7 +7577,7 @@
           <a:p>
             <a:pPr algn="ctr"/>
             <a:r>
-              <a:rPr lang="en-US" sz="5400" b="1" dirty="0" smtClean="0">
+              <a:rPr lang="en-US" sz="5400" b="1" dirty="0">
                 <a:ln w="9525">
                   <a:solidFill>
                     <a:schemeClr val="bg1"/>
@@ -8039,6 +7914,38 @@
           </a:prstGeom>
         </p:spPr>
       </p:pic>
+      <p:sp>
+        <p:nvSpPr>
+          <p:cNvPr id="3" name="TextBox 2"/>
+          <p:cNvSpPr txBox="1"/>
+          <p:nvPr/>
+        </p:nvSpPr>
+        <p:spPr>
+          <a:xfrm>
+            <a:off x="694799" y="5068749"/>
+            <a:ext cx="1103672" cy="369332"/>
+          </a:xfrm>
+          <a:prstGeom prst="rect">
+            <a:avLst/>
+          </a:prstGeom>
+          <a:noFill/>
+        </p:spPr>
+        <p:txBody>
+          <a:bodyPr wrap="square" rtlCol="0">
+            <a:spAutoFit/>
+          </a:bodyPr>
+          <a:lstStyle/>
+          <a:p>
+            <a:r>
+              <a:rPr lang="en-US" dirty="0">
+                <a:hlinkClick r:id="rId13"/>
+              </a:rPr>
+              <a:t>GITHUB…</a:t>
+            </a:r>
+            <a:endParaRPr lang="bg-BG" dirty="0"/>
+          </a:p>
+        </p:txBody>
+      </p:sp>
     </p:spTree>
     <p:extLst>
       <p:ext uri="{BB962C8B-B14F-4D97-AF65-F5344CB8AC3E}">
@@ -8615,7 +8522,7 @@
           <a:lstStyle/>
           <a:p>
             <a:r>
-              <a:rPr lang="en-US" sz="4000" b="1" dirty="0" smtClean="0">
+              <a:rPr lang="en-US" sz="4000" b="1" dirty="0">
                 <a:solidFill>
                   <a:srgbClr val="FF0000"/>
                 </a:solidFill>
@@ -8630,7 +8537,7 @@
               <a:t>Short </a:t>
             </a:r>
             <a:r>
-              <a:rPr lang="en-US" sz="4000" b="1" dirty="0" err="1" smtClean="0">
+              <a:rPr lang="en-US" sz="4000" b="1" dirty="0" err="1">
                 <a:solidFill>
                   <a:srgbClr val="FF0000"/>
                 </a:solidFill>
@@ -8645,7 +8552,7 @@
               <a:t>Pacman</a:t>
             </a:r>
             <a:r>
-              <a:rPr lang="en-US" sz="4000" b="1" dirty="0" smtClean="0">
+              <a:rPr lang="en-US" sz="4000" b="1" dirty="0">
                 <a:solidFill>
                   <a:srgbClr val="FF0000"/>
                 </a:solidFill>
@@ -8661,7 +8568,7 @@
             </a:r>
           </a:p>
           <a:p>
-            <a:endParaRPr lang="en-US" sz="3200" b="1" dirty="0" smtClean="0">
+            <a:endParaRPr lang="en-US" sz="3200" b="1" dirty="0">
               <a:solidFill>
                 <a:srgbClr val="FF0000"/>
               </a:solidFill>
@@ -8680,7 +8587,7 @@
               <a:buChar char="•"/>
             </a:pPr>
             <a:r>
-              <a:rPr lang="en-US" sz="3200" b="1" dirty="0" smtClean="0">
+              <a:rPr lang="en-US" sz="3200" b="1" dirty="0">
                 <a:solidFill>
                   <a:schemeClr val="accent1">
                     <a:lumMod val="20000"/>
@@ -8700,7 +8607,7 @@
           </a:p>
           <a:p>
             <a:r>
-              <a:rPr lang="en-US" sz="3200" b="1" dirty="0" smtClean="0">
+              <a:rPr lang="en-US" sz="3200" b="1" dirty="0">
                 <a:solidFill>
                   <a:schemeClr val="accent1">
                     <a:lumMod val="20000"/>
@@ -8720,7 +8627,7 @@
           </a:p>
           <a:p>
             <a:r>
-              <a:rPr lang="en-US" sz="3200" b="1" dirty="0" smtClean="0">
+              <a:rPr lang="en-US" sz="3200" b="1" dirty="0">
                 <a:solidFill>
                   <a:schemeClr val="accent1">
                     <a:lumMod val="20000"/>
@@ -8744,7 +8651,7 @@
               <a:buChar char="•"/>
             </a:pPr>
             <a:r>
-              <a:rPr lang="en-US" sz="3200" b="1" dirty="0" smtClean="0">
+              <a:rPr lang="en-US" sz="3200" b="1" dirty="0">
                 <a:solidFill>
                   <a:schemeClr val="accent1">
                     <a:lumMod val="20000"/>
@@ -8764,7 +8671,7 @@
           </a:p>
           <a:p>
             <a:r>
-              <a:rPr lang="en-US" sz="3200" b="1" dirty="0" smtClean="0">
+              <a:rPr lang="en-US" sz="3200" b="1" dirty="0">
                 <a:solidFill>
                   <a:schemeClr val="accent1">
                     <a:lumMod val="20000"/>
@@ -8788,7 +8695,7 @@
               <a:buChar char="•"/>
             </a:pPr>
             <a:r>
-              <a:rPr lang="en-US" sz="3200" b="1" dirty="0" err="1" smtClean="0">
+              <a:rPr lang="en-US" sz="3200" b="1" dirty="0" err="1">
                 <a:solidFill>
                   <a:schemeClr val="accent1">
                     <a:lumMod val="20000"/>
@@ -8806,7 +8713,7 @@
               <a:t>Pacman</a:t>
             </a:r>
             <a:r>
-              <a:rPr lang="en-US" sz="3200" b="1" dirty="0" smtClean="0">
+              <a:rPr lang="en-US" sz="3200" b="1" dirty="0">
                 <a:solidFill>
                   <a:schemeClr val="accent1">
                     <a:lumMod val="20000"/>
@@ -8830,7 +8737,7 @@
               <a:buChar char="•"/>
             </a:pPr>
             <a:r>
-              <a:rPr lang="en-US" sz="3200" b="1" dirty="0" smtClean="0">
+              <a:rPr lang="en-US" sz="3200" b="1" dirty="0">
                 <a:solidFill>
                   <a:schemeClr val="accent1">
                     <a:lumMod val="20000"/>
@@ -8848,7 +8755,7 @@
               <a:t>Ghosts are agents that chase </a:t>
             </a:r>
             <a:r>
-              <a:rPr lang="en-US" sz="3200" b="1" dirty="0" err="1" smtClean="0">
+              <a:rPr lang="en-US" sz="3200" b="1" dirty="0" err="1">
                 <a:solidFill>
                   <a:schemeClr val="accent1">
                     <a:lumMod val="20000"/>
@@ -8865,7 +8772,7 @@
               </a:rPr>
               <a:t>Pacman</a:t>
             </a:r>
-            <a:endParaRPr lang="en-US" sz="3200" b="1" dirty="0" smtClean="0">
+            <a:endParaRPr lang="en-US" sz="3200" b="1" dirty="0">
               <a:solidFill>
                 <a:schemeClr val="accent1">
                   <a:lumMod val="20000"/>
@@ -8887,7 +8794,7 @@
               <a:buChar char="•"/>
             </a:pPr>
             <a:r>
-              <a:rPr lang="en-US" sz="3200" b="1" dirty="0" smtClean="0">
+              <a:rPr lang="en-US" sz="3200" b="1" dirty="0">
                 <a:solidFill>
                   <a:schemeClr val="accent1">
                     <a:lumMod val="20000"/>
@@ -8905,7 +8812,7 @@
               <a:t>When </a:t>
             </a:r>
             <a:r>
-              <a:rPr lang="en-US" sz="3200" b="1" dirty="0" err="1" smtClean="0">
+              <a:rPr lang="en-US" sz="3200" b="1" dirty="0" err="1">
                 <a:solidFill>
                   <a:schemeClr val="accent1">
                     <a:lumMod val="20000"/>
@@ -8923,7 +8830,7 @@
               <a:t>Pacman</a:t>
             </a:r>
             <a:r>
-              <a:rPr lang="en-US" sz="3200" b="1" dirty="0" smtClean="0">
+              <a:rPr lang="en-US" sz="3200" b="1" dirty="0">
                 <a:solidFill>
                   <a:schemeClr val="accent1">
                     <a:lumMod val="20000"/>
@@ -8943,7 +8850,7 @@
           </a:p>
           <a:p>
             <a:r>
-              <a:rPr lang="en-US" sz="3200" b="1" dirty="0" smtClean="0">
+              <a:rPr lang="en-US" sz="3200" b="1" dirty="0">
                 <a:solidFill>
                   <a:schemeClr val="accent1">
                     <a:lumMod val="20000"/>
@@ -8987,13 +8894,6 @@
   <p:clrMapOvr>
     <a:masterClrMapping/>
   </p:clrMapOvr>
-  <p:timing>
-    <p:tnLst>
-      <p:par>
-        <p:cTn id="1" dur="indefinite" restart="never" nodeType="tmRoot"/>
-      </p:par>
-    </p:tnLst>
-  </p:timing>
 </p:sld>
 </file>
 
@@ -9068,7 +8968,7 @@
           <a:p>
             <a:pPr algn="ctr"/>
             <a:r>
-              <a:rPr lang="en-US" sz="5400" b="1" cap="none" spc="0" dirty="0" smtClean="0">
+              <a:rPr lang="en-US" sz="5400" b="1" cap="none" spc="0" dirty="0">
                 <a:ln w="13462">
                   <a:solidFill>
                     <a:schemeClr val="bg1"/>
@@ -9089,25 +8989,6 @@
               </a:rPr>
               <a:t>Basic Game Concept</a:t>
             </a:r>
-            <a:endParaRPr lang="en-US" sz="5400" b="1" cap="none" spc="0" dirty="0">
-              <a:ln w="13462">
-                <a:solidFill>
-                  <a:schemeClr val="bg1"/>
-                </a:solidFill>
-                <a:prstDash val="solid"/>
-              </a:ln>
-              <a:solidFill>
-                <a:schemeClr val="tx1">
-                  <a:lumMod val="85000"/>
-                  <a:lumOff val="15000"/>
-                </a:schemeClr>
-              </a:solidFill>
-              <a:effectLst>
-                <a:outerShdw dist="38100" dir="2700000" algn="bl" rotWithShape="0">
-                  <a:schemeClr val="accent5"/>
-                </a:outerShdw>
-              </a:effectLst>
-            </a:endParaRPr>
           </a:p>
         </p:txBody>
       </p:sp>
@@ -9228,7 +9109,7 @@
           <a:p>
             <a:pPr algn="ctr"/>
             <a:r>
-              <a:rPr lang="en-US" sz="5400" b="1" cap="none" spc="0" dirty="0" smtClean="0">
+              <a:rPr lang="en-US" sz="5400" b="1" cap="none" spc="0" dirty="0">
                 <a:ln>
                   <a:solidFill>
                     <a:srgbClr val="FF0000"/>
@@ -9241,17 +9122,6 @@
               </a:rPr>
               <a:t>Before - 1980</a:t>
             </a:r>
-            <a:endParaRPr lang="en-US" sz="5400" b="1" cap="none" spc="0" dirty="0">
-              <a:ln>
-                <a:solidFill>
-                  <a:srgbClr val="FF0000"/>
-                </a:solidFill>
-              </a:ln>
-              <a:solidFill>
-                <a:schemeClr val="accent4"/>
-              </a:solidFill>
-              <a:effectLst/>
-            </a:endParaRPr>
           </a:p>
         </p:txBody>
       </p:sp>
@@ -9279,7 +9149,7 @@
           <a:p>
             <a:pPr algn="ctr"/>
             <a:r>
-              <a:rPr lang="en-US" sz="5400" b="1" cap="none" spc="0" dirty="0" smtClean="0">
+              <a:rPr lang="en-US" sz="5400" b="1" cap="none" spc="0" dirty="0">
                 <a:ln w="9525">
                   <a:solidFill>
                     <a:schemeClr val="bg1"/>
@@ -9299,24 +9169,6 @@
               </a:rPr>
               <a:t>After - 2016</a:t>
             </a:r>
-            <a:endParaRPr lang="en-US" sz="5400" b="1" cap="none" spc="0" dirty="0">
-              <a:ln w="9525">
-                <a:solidFill>
-                  <a:schemeClr val="bg1"/>
-                </a:solidFill>
-                <a:prstDash val="solid"/>
-              </a:ln>
-              <a:solidFill>
-                <a:srgbClr val="FF0000"/>
-              </a:solidFill>
-              <a:effectLst>
-                <a:outerShdw blurRad="12700" dist="38100" dir="2700000" algn="tl" rotWithShape="0">
-                  <a:schemeClr val="bg1">
-                    <a:lumMod val="50000"/>
-                  </a:schemeClr>
-                </a:outerShdw>
-              </a:effectLst>
-            </a:endParaRPr>
           </a:p>
         </p:txBody>
       </p:sp>
@@ -9524,7 +9376,7 @@
           <a:p>
             <a:pPr algn="ctr"/>
             <a:r>
-              <a:rPr lang="en-US" sz="5400" b="1" cap="none" spc="0" dirty="0" smtClean="0">
+              <a:rPr lang="en-US" sz="5400" b="1" cap="none" spc="0" dirty="0">
                 <a:ln w="12700" cmpd="sng">
                   <a:solidFill>
                     <a:schemeClr val="accent4"/>
@@ -9555,35 +9407,6 @@
               </a:rPr>
               <a:t>User Friendly Level Generator</a:t>
             </a:r>
-            <a:endParaRPr lang="en-US" sz="5400" b="1" cap="none" spc="0" dirty="0">
-              <a:ln w="12700" cmpd="sng">
-                <a:solidFill>
-                  <a:schemeClr val="accent4"/>
-                </a:solidFill>
-                <a:prstDash val="solid"/>
-              </a:ln>
-              <a:gradFill>
-                <a:gsLst>
-                  <a:gs pos="0">
-                    <a:schemeClr val="accent4"/>
-                  </a:gs>
-                  <a:gs pos="4000">
-                    <a:schemeClr val="accent4">
-                      <a:lumMod val="60000"/>
-                      <a:lumOff val="40000"/>
-                    </a:schemeClr>
-                  </a:gs>
-                  <a:gs pos="87000">
-                    <a:schemeClr val="accent4">
-                      <a:lumMod val="20000"/>
-                      <a:lumOff val="80000"/>
-                    </a:schemeClr>
-                  </a:gs>
-                </a:gsLst>
-                <a:lin ang="5400000"/>
-              </a:gradFill>
-              <a:effectLst/>
-            </a:endParaRPr>
           </a:p>
         </p:txBody>
       </p:sp>
@@ -10542,7 +10365,7 @@
           <a:p>
             <a:pPr algn="ctr" eaLnBrk="1" hangingPunct="1"/>
             <a:r>
-              <a:rPr lang="en-US" altLang="bg-BG" dirty="0" smtClean="0">
+              <a:rPr lang="en-US" altLang="bg-BG" dirty="0">
                 <a:solidFill>
                   <a:schemeClr val="accent2">
                     <a:lumMod val="75000"/>
@@ -10552,7 +10375,7 @@
               <a:t>(Original) Pac-Man Sounds</a:t>
             </a:r>
             <a:br>
-              <a:rPr lang="en-US" altLang="bg-BG" dirty="0" smtClean="0">
+              <a:rPr lang="en-US" altLang="bg-BG" dirty="0">
                 <a:solidFill>
                   <a:schemeClr val="accent2">
                     <a:lumMod val="75000"/>
@@ -10583,14 +10406,6 @@
   <p:clrMapOvr>
     <a:masterClrMapping/>
   </p:clrMapOvr>
-  <mc:AlternateContent xmlns:mc="http://schemas.openxmlformats.org/markup-compatibility/2006" xmlns:p14="http://schemas.microsoft.com/office/powerpoint/2010/main">
-    <mc:Choice Requires="p14">
-      <p:transition p14:dur="0"/>
-    </mc:Choice>
-    <mc:Fallback xmlns="">
-      <p:transition/>
-    </mc:Fallback>
-  </mc:AlternateContent>
   <p:timing>
     <p:tnLst>
       <p:par>
@@ -11284,7 +11099,7 @@
           <a:p>
             <a:pPr algn="ctr"/>
             <a:r>
-              <a:rPr lang="en-US" sz="5400" b="1" cap="none" spc="0" dirty="0" smtClean="0">
+              <a:rPr lang="en-US" sz="5400" b="1" cap="none" spc="0" dirty="0">
                 <a:ln w="6600">
                   <a:solidFill>
                     <a:schemeClr val="accent2"/>
@@ -11302,22 +11117,6 @@
               </a:rPr>
               <a:t>Code Logic Overview</a:t>
             </a:r>
-            <a:endParaRPr lang="en-US" sz="5400" b="1" cap="none" spc="0" dirty="0">
-              <a:ln w="6600">
-                <a:solidFill>
-                  <a:schemeClr val="accent2"/>
-                </a:solidFill>
-                <a:prstDash val="solid"/>
-              </a:ln>
-              <a:solidFill>
-                <a:srgbClr val="FFFFFF"/>
-              </a:solidFill>
-              <a:effectLst>
-                <a:outerShdw dist="38100" dir="2700000" algn="tl" rotWithShape="0">
-                  <a:schemeClr val="accent2"/>
-                </a:outerShdw>
-              </a:effectLst>
-            </a:endParaRPr>
           </a:p>
         </p:txBody>
       </p:sp>
@@ -11345,7 +11144,7 @@
           <a:p>
             <a:pPr algn="ctr"/>
             <a:r>
-              <a:rPr lang="en-US" sz="5400" dirty="0" smtClean="0">
+              <a:rPr lang="en-US" sz="5400" dirty="0">
                 <a:ln w="0"/>
                 <a:solidFill>
                   <a:srgbClr val="FF0000"/>
@@ -11469,15 +11268,15 @@
           <a:lstStyle/>
           <a:p>
             <a:r>
-              <a:rPr lang="en-US" dirty="0" smtClean="0"/>
+              <a:rPr lang="en-US" dirty="0"/>
               <a:t>Using </a:t>
             </a:r>
             <a:r>
-              <a:rPr lang="en-US" dirty="0" err="1" smtClean="0"/>
+              <a:rPr lang="en-US" dirty="0" err="1"/>
               <a:t>System.Drawing</a:t>
             </a:r>
             <a:r>
-              <a:rPr lang="en-US" dirty="0" smtClean="0"/>
+              <a:rPr lang="en-US" dirty="0"/>
               <a:t>;</a:t>
             </a:r>
             <a:endParaRPr lang="bg-BG" dirty="0"/>
@@ -11927,7 +11726,7 @@
           <a:p>
             <a:pPr algn="ctr"/>
             <a:r>
-              <a:rPr lang="en-US" sz="5400" b="1" dirty="0" smtClean="0">
+              <a:rPr lang="en-US" sz="5400" b="1" dirty="0">
                 <a:ln w="6600">
                   <a:solidFill>
                     <a:schemeClr val="accent2"/>
@@ -12325,7 +12124,7 @@
           <a:p>
             <a:pPr algn="ctr"/>
             <a:r>
-              <a:rPr lang="en-US" sz="5400" b="1" dirty="0" smtClean="0">
+              <a:rPr lang="en-US" sz="5400" b="1" dirty="0">
                 <a:ln/>
                 <a:solidFill>
                   <a:schemeClr val="accent4">
@@ -12336,15 +12135,6 @@
               </a:rPr>
               <a:t>The one and only… Pacman!</a:t>
             </a:r>
-            <a:endParaRPr lang="en-US" sz="5400" b="1" dirty="0">
-              <a:ln/>
-              <a:solidFill>
-                <a:schemeClr val="accent4">
-                  <a:lumMod val="60000"/>
-                  <a:lumOff val="40000"/>
-                </a:schemeClr>
-              </a:solidFill>
-            </a:endParaRPr>
           </a:p>
         </p:txBody>
       </p:sp>
@@ -12372,7 +12162,7 @@
           <a:p>
             <a:pPr algn="ctr"/>
             <a:r>
-              <a:rPr lang="en-US" sz="5400" b="1" cap="none" spc="0" dirty="0" smtClean="0">
+              <a:rPr lang="en-US" sz="5400" b="1" cap="none" spc="0" dirty="0">
                 <a:ln w="22225">
                   <a:solidFill>
                     <a:schemeClr val="accent2"/>
@@ -12390,7 +12180,7 @@
               <a:t>P.S. This guy ove</a:t>
             </a:r>
             <a:r>
-              <a:rPr lang="en-US" sz="5400" b="1" dirty="0" smtClean="0">
+              <a:rPr lang="en-US" sz="5400" b="1" dirty="0">
                 <a:ln w="22225">
                   <a:solidFill>
                     <a:schemeClr val="accent2"/>
